--- a/Daily Agendas/Day1.2_FirstDay.pptx
+++ b/Daily Agendas/Day1.2_FirstDay.pptx
@@ -305,7 +305,7 @@
             <a:fld id="{1D8BD707-D9CF-40AE-B4C6-C98DA3205C09}" type="datetimeFigureOut">
               <a:rPr lang="en-US" smtClean="0"/>
               <a:pPr/>
-              <a:t>8/30/2018</a:t>
+              <a:t>9/4/2018</a:t>
             </a:fld>
             <a:endParaRPr lang="en-US"/>
           </a:p>
@@ -470,7 +470,7 @@
             <a:fld id="{1D8BD707-D9CF-40AE-B4C6-C98DA3205C09}" type="datetimeFigureOut">
               <a:rPr lang="en-US" smtClean="0"/>
               <a:pPr/>
-              <a:t>8/30/2018</a:t>
+              <a:t>9/4/2018</a:t>
             </a:fld>
             <a:endParaRPr lang="en-US"/>
           </a:p>
@@ -645,7 +645,7 @@
             <a:fld id="{1D8BD707-D9CF-40AE-B4C6-C98DA3205C09}" type="datetimeFigureOut">
               <a:rPr lang="en-US" smtClean="0"/>
               <a:pPr/>
-              <a:t>8/30/2018</a:t>
+              <a:t>9/4/2018</a:t>
             </a:fld>
             <a:endParaRPr lang="en-US"/>
           </a:p>
@@ -810,7 +810,7 @@
             <a:fld id="{1D8BD707-D9CF-40AE-B4C6-C98DA3205C09}" type="datetimeFigureOut">
               <a:rPr lang="en-US" smtClean="0"/>
               <a:pPr/>
-              <a:t>8/30/2018</a:t>
+              <a:t>9/4/2018</a:t>
             </a:fld>
             <a:endParaRPr lang="en-US"/>
           </a:p>
@@ -1052,7 +1052,7 @@
             <a:fld id="{1D8BD707-D9CF-40AE-B4C6-C98DA3205C09}" type="datetimeFigureOut">
               <a:rPr lang="en-US" smtClean="0"/>
               <a:pPr/>
-              <a:t>8/30/2018</a:t>
+              <a:t>9/4/2018</a:t>
             </a:fld>
             <a:endParaRPr lang="en-US"/>
           </a:p>
@@ -1334,7 +1334,7 @@
             <a:fld id="{1D8BD707-D9CF-40AE-B4C6-C98DA3205C09}" type="datetimeFigureOut">
               <a:rPr lang="en-US" smtClean="0"/>
               <a:pPr/>
-              <a:t>8/30/2018</a:t>
+              <a:t>9/4/2018</a:t>
             </a:fld>
             <a:endParaRPr lang="en-US"/>
           </a:p>
@@ -1750,7 +1750,7 @@
             <a:fld id="{1D8BD707-D9CF-40AE-B4C6-C98DA3205C09}" type="datetimeFigureOut">
               <a:rPr lang="en-US" smtClean="0"/>
               <a:pPr/>
-              <a:t>8/30/2018</a:t>
+              <a:t>9/4/2018</a:t>
             </a:fld>
             <a:endParaRPr lang="en-US"/>
           </a:p>
@@ -1864,7 +1864,7 @@
             <a:fld id="{1D8BD707-D9CF-40AE-B4C6-C98DA3205C09}" type="datetimeFigureOut">
               <a:rPr lang="en-US" smtClean="0"/>
               <a:pPr/>
-              <a:t>8/30/2018</a:t>
+              <a:t>9/4/2018</a:t>
             </a:fld>
             <a:endParaRPr lang="en-US"/>
           </a:p>
@@ -1956,7 +1956,7 @@
             <a:fld id="{1D8BD707-D9CF-40AE-B4C6-C98DA3205C09}" type="datetimeFigureOut">
               <a:rPr lang="en-US" smtClean="0"/>
               <a:pPr/>
-              <a:t>8/30/2018</a:t>
+              <a:t>9/4/2018</a:t>
             </a:fld>
             <a:endParaRPr lang="en-US"/>
           </a:p>
@@ -2228,7 +2228,7 @@
             <a:fld id="{1D8BD707-D9CF-40AE-B4C6-C98DA3205C09}" type="datetimeFigureOut">
               <a:rPr lang="en-US" smtClean="0"/>
               <a:pPr/>
-              <a:t>8/30/2018</a:t>
+              <a:t>9/4/2018</a:t>
             </a:fld>
             <a:endParaRPr lang="en-US"/>
           </a:p>
@@ -2477,7 +2477,7 @@
             <a:fld id="{1D8BD707-D9CF-40AE-B4C6-C98DA3205C09}" type="datetimeFigureOut">
               <a:rPr lang="en-US" smtClean="0"/>
               <a:pPr/>
-              <a:t>8/30/2018</a:t>
+              <a:t>9/4/2018</a:t>
             </a:fld>
             <a:endParaRPr lang="en-US"/>
           </a:p>
@@ -2685,7 +2685,7 @@
             <a:fld id="{1D8BD707-D9CF-40AE-B4C6-C98DA3205C09}" type="datetimeFigureOut">
               <a:rPr lang="en-US" smtClean="0"/>
               <a:pPr/>
-              <a:t>8/30/2018</a:t>
+              <a:t>9/4/2018</a:t>
             </a:fld>
             <a:endParaRPr lang="en-US"/>
           </a:p>
@@ -3215,9 +3215,10 @@
           <a:p>
             <a:pPr lvl="1"/>
             <a:r>
-              <a:rPr lang="en-US" dirty="0"/>
-              <a:t>Early Release</a:t>
-            </a:r>
+              <a:rPr lang="en-US" dirty="0" smtClean="0"/>
+              <a:t>Modified Day</a:t>
+            </a:r>
+            <a:endParaRPr lang="en-US" dirty="0"/>
           </a:p>
           <a:p>
             <a:pPr lvl="1"/>
@@ -3248,8 +3249,17 @@
             <a:pPr lvl="1"/>
             <a:r>
               <a:rPr lang="en-US" dirty="0"/>
-              <a:t>Tomorrow: More Simon</a:t>
-            </a:r>
+              <a:t>Tomorrow</a:t>
+            </a:r>
+            <a:r>
+              <a:rPr lang="en-US"/>
+              <a:t>: </a:t>
+            </a:r>
+            <a:r>
+              <a:rPr lang="en-US" smtClean="0"/>
+              <a:t>Simon Game</a:t>
+            </a:r>
+            <a:endParaRPr lang="en-US" dirty="0"/>
           </a:p>
         </p:txBody>
       </p:sp>
@@ -3306,7 +3316,7 @@
           <p:cNvPr id="5" name="Content Placeholder 4">
             <a:extLst>
               <a:ext uri="{FF2B5EF4-FFF2-40B4-BE49-F238E27FC236}">
-                <a16:creationId xmlns:a16="http://schemas.microsoft.com/office/drawing/2014/main" id="{1FD59CF5-544F-4381-8D1F-CFD048DE386B}"/>
+                <a16:creationId xmlns="" xmlns:a16="http://schemas.microsoft.com/office/drawing/2014/main" id="{1FD59CF5-544F-4381-8D1F-CFD048DE386B}"/>
               </a:ext>
             </a:extLst>
           </p:cNvPr>
@@ -3331,7 +3341,7 @@
           <p:cNvPr id="6" name="Picture 5">
             <a:extLst>
               <a:ext uri="{FF2B5EF4-FFF2-40B4-BE49-F238E27FC236}">
-                <a16:creationId xmlns:a16="http://schemas.microsoft.com/office/drawing/2014/main" id="{6D9CF853-1FCE-468A-893F-641B22DED71B}"/>
+                <a16:creationId xmlns="" xmlns:a16="http://schemas.microsoft.com/office/drawing/2014/main" id="{6D9CF853-1FCE-468A-893F-641B22DED71B}"/>
               </a:ext>
             </a:extLst>
           </p:cNvPr>
